--- a/HT-2/Club-BAC-09-Metamodelo.pptx
+++ b/HT-2/Club-BAC-09-Metamodelo.pptx
@@ -213,7 +213,7 @@
           <a:p>
             <a:fld id="{C84E95E0-43A6-4D53-BDBE-E8A6E9BC4F1E}" type="datetimeFigureOut">
               <a:rPr lang="es-ES" smtClean="0"/>
-              <a:t>18/8/22</a:t>
+              <a:t>20/8/22</a:t>
             </a:fld>
             <a:endParaRPr lang="es-ES"/>
           </a:p>
@@ -2092,10 +2092,10 @@
       </p:sp>
       <p:pic>
         <p:nvPicPr>
-          <p:cNvPr id="9" name="Picture 8">
+          <p:cNvPr id="3" name="Picture 2">
             <a:extLst>
               <a:ext uri="{FF2B5EF4-FFF2-40B4-BE49-F238E27FC236}">
-                <a16:creationId xmlns:a16="http://schemas.microsoft.com/office/drawing/2014/main" id="{1393F196-AA0A-32C5-C2D9-EE22478B059B}"/>
+                <a16:creationId xmlns:a16="http://schemas.microsoft.com/office/drawing/2014/main" id="{49619D1D-2D6F-DBF1-5B13-9987B5EB22D8}"/>
               </a:ext>
             </a:extLst>
           </p:cNvPr>
@@ -2104,7 +2104,7 @@
           </p:cNvPicPr>
           <p:nvPr/>
         </p:nvPicPr>
-        <p:blipFill rotWithShape="1">
+        <p:blipFill>
           <a:blip r:embed="rId2">
             <a:extLst>
               <a:ext uri="{28A0092B-C50C-407E-A947-70E740481C1C}">
@@ -2112,13 +2112,14 @@
               </a:ext>
             </a:extLst>
           </a:blip>
-          <a:srcRect r="51035" b="47611"/>
-          <a:stretch/>
+          <a:stretch>
+            <a:fillRect/>
+          </a:stretch>
         </p:blipFill>
         <p:spPr>
           <a:xfrm>
-            <a:off x="2957381" y="398606"/>
-            <a:ext cx="6044874" cy="5488426"/>
+            <a:off x="2709526" y="228902"/>
+            <a:ext cx="6398848" cy="5682177"/>
           </a:xfrm>
           <a:prstGeom prst="rect">
             <a:avLst/>
